--- a/Presentation PPT/Attendance Ppt.pptx
+++ b/Presentation PPT/Attendance Ppt.pptx
@@ -22,14 +22,14 @@
   <p:notesSz cx="6858000" cy="9144000"/>
   <p:embeddedFontLst>
     <p:embeddedFont>
-      <p:font typeface="Raleway" charset="0"/>
+      <p:font typeface="Lato" panose="020B0604020202020204" charset="0"/>
       <p:regular r:id="rId12"/>
       <p:bold r:id="rId13"/>
       <p:italic r:id="rId14"/>
       <p:boldItalic r:id="rId15"/>
     </p:embeddedFont>
     <p:embeddedFont>
-      <p:font typeface="Lato" charset="0"/>
+      <p:font typeface="Raleway" panose="020B0604020202020204" charset="0"/>
       <p:regular r:id="rId16"/>
       <p:bold r:id="rId17"/>
       <p:italic r:id="rId18"/>
@@ -267,7 +267,7 @@
   </p:defaultTextStyle>
   <p:extLst>
     <p:ext uri="{EFAFB233-063F-42B5-8137-9DF3F51BA10A}">
-      <p15:sldGuideLst xmlns:p15="http://schemas.microsoft.com/office/powerpoint/2012/main" xmlns:p14="http://schemas.microsoft.com/office/powerpoint/2010/main" xmlns:com="http://schemas.openxmlformats.org/drawingml/2006/compatibility" xmlns:pvml="urn:schemas-microsoft-com:office:powerpoint" xmlns:v="urn:schemas-microsoft-com:vml" xmlns:o="urn:schemas-microsoft-com:office:office" xmlns:dgm="http://schemas.openxmlformats.org/drawingml/2006/diagram" xmlns:c="http://schemas.openxmlformats.org/drawingml/2006/chart" xmlns:mv="urn:schemas-microsoft-com:mac:vml" xmlns:mc="http://schemas.openxmlformats.org/markup-compatibility/2006" xmlns="">
+      <p15:sldGuideLst xmlns:p15="http://schemas.microsoft.com/office/powerpoint/2012/main">
         <p15:guide id="1" orient="horz" pos="1620">
           <p15:clr>
             <a:srgbClr val="A4A3A4"/>
@@ -489,6 +489,11 @@
         </p:txBody>
       </p:sp>
     </p:spTree>
+    <p:extLst>
+      <p:ext uri="{BB962C8B-B14F-4D97-AF65-F5344CB8AC3E}">
+        <p14:creationId xmlns:p14="http://schemas.microsoft.com/office/powerpoint/2010/main" val="3866723869"/>
+      </p:ext>
+    </p:extLst>
   </p:cSld>
   <p:clrMap bg1="lt1" tx1="dk1" bg2="dk2" tx2="lt2" accent1="accent1" accent2="accent2" accent3="accent3" accent4="accent4" accent5="accent5" accent6="accent6" hlink="hlink" folHlink="folHlink"/>
   <p:notesStyle>
@@ -820,6 +825,11 @@
         </p:txBody>
       </p:sp>
     </p:spTree>
+    <p:extLst>
+      <p:ext uri="{BB962C8B-B14F-4D97-AF65-F5344CB8AC3E}">
+        <p14:creationId xmlns:p14="http://schemas.microsoft.com/office/powerpoint/2010/main" val="704454251"/>
+      </p:ext>
+    </p:extLst>
   </p:cSld>
   <p:clrMapOvr>
     <a:masterClrMapping/>
@@ -856,7 +866,7 @@
         </p:nvSpPr>
         <p:spPr>
           <a:xfrm>
-            <a:off x="381300" y="685800"/>
+            <a:off x="381000" y="685800"/>
             <a:ext cx="6096000" cy="3429000"/>
           </a:xfrm>
           <a:custGeom>
@@ -924,6 +934,11 @@
         </p:txBody>
       </p:sp>
     </p:spTree>
+    <p:extLst>
+      <p:ext uri="{BB962C8B-B14F-4D97-AF65-F5344CB8AC3E}">
+        <p14:creationId xmlns:p14="http://schemas.microsoft.com/office/powerpoint/2010/main" val="1541989839"/>
+      </p:ext>
+    </p:extLst>
   </p:cSld>
   <p:clrMapOvr>
     <a:masterClrMapping/>
@@ -960,7 +975,7 @@
         </p:nvSpPr>
         <p:spPr>
           <a:xfrm>
-            <a:off x="381300" y="685800"/>
+            <a:off x="381000" y="685800"/>
             <a:ext cx="6096000" cy="3429000"/>
           </a:xfrm>
           <a:custGeom>
@@ -1028,6 +1043,11 @@
         </p:txBody>
       </p:sp>
     </p:spTree>
+    <p:extLst>
+      <p:ext uri="{BB962C8B-B14F-4D97-AF65-F5344CB8AC3E}">
+        <p14:creationId xmlns:p14="http://schemas.microsoft.com/office/powerpoint/2010/main" val="1662228254"/>
+      </p:ext>
+    </p:extLst>
   </p:cSld>
   <p:clrMapOvr>
     <a:masterClrMapping/>
@@ -1064,7 +1084,7 @@
         </p:nvSpPr>
         <p:spPr>
           <a:xfrm>
-            <a:off x="381300" y="685800"/>
+            <a:off x="381000" y="685800"/>
             <a:ext cx="6096000" cy="3429000"/>
           </a:xfrm>
           <a:custGeom>
@@ -1132,6 +1152,11 @@
         </p:txBody>
       </p:sp>
     </p:spTree>
+    <p:extLst>
+      <p:ext uri="{BB962C8B-B14F-4D97-AF65-F5344CB8AC3E}">
+        <p14:creationId xmlns:p14="http://schemas.microsoft.com/office/powerpoint/2010/main" val="78278818"/>
+      </p:ext>
+    </p:extLst>
   </p:cSld>
   <p:clrMapOvr>
     <a:masterClrMapping/>
@@ -1168,7 +1193,7 @@
         </p:nvSpPr>
         <p:spPr>
           <a:xfrm>
-            <a:off x="381300" y="685800"/>
+            <a:off x="381000" y="685800"/>
             <a:ext cx="6096000" cy="3429000"/>
           </a:xfrm>
           <a:custGeom>
@@ -1236,6 +1261,11 @@
         </p:txBody>
       </p:sp>
     </p:spTree>
+    <p:extLst>
+      <p:ext uri="{BB962C8B-B14F-4D97-AF65-F5344CB8AC3E}">
+        <p14:creationId xmlns:p14="http://schemas.microsoft.com/office/powerpoint/2010/main" val="3185956312"/>
+      </p:ext>
+    </p:extLst>
   </p:cSld>
   <p:clrMapOvr>
     <a:masterClrMapping/>
@@ -1272,7 +1302,7 @@
         </p:nvSpPr>
         <p:spPr>
           <a:xfrm>
-            <a:off x="381300" y="685800"/>
+            <a:off x="381000" y="685800"/>
             <a:ext cx="6096000" cy="3429000"/>
           </a:xfrm>
           <a:custGeom>
@@ -1340,6 +1370,11 @@
         </p:txBody>
       </p:sp>
     </p:spTree>
+    <p:extLst>
+      <p:ext uri="{BB962C8B-B14F-4D97-AF65-F5344CB8AC3E}">
+        <p14:creationId xmlns:p14="http://schemas.microsoft.com/office/powerpoint/2010/main" val="2585054693"/>
+      </p:ext>
+    </p:extLst>
   </p:cSld>
   <p:clrMapOvr>
     <a:masterClrMapping/>
@@ -1376,7 +1411,7 @@
         </p:nvSpPr>
         <p:spPr>
           <a:xfrm>
-            <a:off x="381300" y="685800"/>
+            <a:off x="381000" y="685800"/>
             <a:ext cx="6096000" cy="3429000"/>
           </a:xfrm>
           <a:custGeom>
@@ -1444,6 +1479,11 @@
         </p:txBody>
       </p:sp>
     </p:spTree>
+    <p:extLst>
+      <p:ext uri="{BB962C8B-B14F-4D97-AF65-F5344CB8AC3E}">
+        <p14:creationId xmlns:p14="http://schemas.microsoft.com/office/powerpoint/2010/main" val="2362637673"/>
+      </p:ext>
+    </p:extLst>
   </p:cSld>
   <p:clrMapOvr>
     <a:masterClrMapping/>
@@ -1480,7 +1520,7 @@
         </p:nvSpPr>
         <p:spPr>
           <a:xfrm>
-            <a:off x="381300" y="685800"/>
+            <a:off x="381000" y="685800"/>
             <a:ext cx="6096000" cy="3429000"/>
           </a:xfrm>
           <a:custGeom>
@@ -1548,6 +1588,11 @@
         </p:txBody>
       </p:sp>
     </p:spTree>
+    <p:extLst>
+      <p:ext uri="{BB962C8B-B14F-4D97-AF65-F5344CB8AC3E}">
+        <p14:creationId xmlns:p14="http://schemas.microsoft.com/office/powerpoint/2010/main" val="3247030879"/>
+      </p:ext>
+    </p:extLst>
   </p:cSld>
   <p:clrMapOvr>
     <a:masterClrMapping/>
@@ -1584,7 +1629,7 @@
         </p:nvSpPr>
         <p:spPr>
           <a:xfrm>
-            <a:off x="381300" y="685800"/>
+            <a:off x="381000" y="685800"/>
             <a:ext cx="6096000" cy="3429000"/>
           </a:xfrm>
           <a:custGeom>
@@ -1652,6 +1697,11 @@
         </p:txBody>
       </p:sp>
     </p:spTree>
+    <p:extLst>
+      <p:ext uri="{BB962C8B-B14F-4D97-AF65-F5344CB8AC3E}">
+        <p14:creationId xmlns:p14="http://schemas.microsoft.com/office/powerpoint/2010/main" val="2569182593"/>
+      </p:ext>
+    </p:extLst>
   </p:cSld>
   <p:clrMapOvr>
     <a:masterClrMapping/>
@@ -8774,10 +8824,10 @@
               <a:buNone/>
             </a:pPr>
             <a:r>
-              <a:rPr lang="en" sz="2400"/>
-              <a:t>Sachin </a:t>
+              <a:rPr lang="en" sz="2400" dirty="0" smtClean="0"/>
+              <a:t> </a:t>
             </a:r>
-            <a:endParaRPr sz="2400"/>
+            <a:endParaRPr sz="2400" dirty="0"/>
           </a:p>
         </p:txBody>
       </p:sp>
@@ -8995,11 +9045,7 @@
               </a:spcAft>
               <a:buNone/>
             </a:pPr>
-            <a:r>
-              <a:rPr lang="en" sz="2400"/>
-              <a:t>Saahithi</a:t>
-            </a:r>
-            <a:endParaRPr sz="2400"/>
+            <a:endParaRPr sz="2400" dirty="0"/>
           </a:p>
         </p:txBody>
       </p:sp>
@@ -9217,11 +9263,7 @@
               </a:spcAft>
               <a:buNone/>
             </a:pPr>
-            <a:r>
-              <a:rPr lang="en" sz="2400"/>
-              <a:t>Prachi</a:t>
-            </a:r>
-            <a:endParaRPr sz="2400"/>
+            <a:endParaRPr sz="2400" dirty="0"/>
           </a:p>
         </p:txBody>
       </p:sp>
@@ -9439,11 +9481,7 @@
               </a:spcAft>
               <a:buNone/>
             </a:pPr>
-            <a:r>
-              <a:rPr lang="en" sz="2400"/>
-              <a:t>Debasish &amp; Amar</a:t>
-            </a:r>
-            <a:endParaRPr sz="2400"/>
+            <a:endParaRPr sz="2400" dirty="0"/>
           </a:p>
         </p:txBody>
       </p:sp>

--- a/Presentation PPT/Attendance Ppt.pptx
+++ b/Presentation PPT/Attendance Ppt.pptx
@@ -9045,6 +9045,10 @@
               </a:spcAft>
               <a:buNone/>
             </a:pPr>
+            <a:r>
+              <a:rPr lang="en-US" sz="2400" dirty="0" smtClean="0"/>
+              <a:t>.</a:t>
+            </a:r>
             <a:endParaRPr sz="2400" dirty="0"/>
           </a:p>
         </p:txBody>
@@ -9263,6 +9267,10 @@
               </a:spcAft>
               <a:buNone/>
             </a:pPr>
+            <a:r>
+              <a:rPr lang="en-US" sz="2400" dirty="0" smtClean="0"/>
+              <a:t>.</a:t>
+            </a:r>
             <a:endParaRPr sz="2400" dirty="0"/>
           </a:p>
         </p:txBody>
@@ -9481,6 +9489,10 @@
               </a:spcAft>
               <a:buNone/>
             </a:pPr>
+            <a:r>
+              <a:rPr lang="en-US" sz="2400" dirty="0" smtClean="0"/>
+              <a:t>.</a:t>
+            </a:r>
             <a:endParaRPr sz="2400" dirty="0"/>
           </a:p>
         </p:txBody>
